--- a/designdoc/AssignmentDesign.pptx
+++ b/designdoc/AssignmentDesign.pptx
@@ -264,7 +264,7 @@
           <a:p>
             <a:fld id="{1877443A-4F5C-DA41-82D5-DAFF1E776614}" type="datetimeFigureOut">
               <a:rPr lang="en-US" smtClean="0"/>
-              <a:t>4/18/20</a:t>
+              <a:t>4/19/20</a:t>
             </a:fld>
             <a:endParaRPr lang="en-US"/>
           </a:p>
@@ -462,7 +462,7 @@
           <a:p>
             <a:fld id="{1877443A-4F5C-DA41-82D5-DAFF1E776614}" type="datetimeFigureOut">
               <a:rPr lang="en-US" smtClean="0"/>
-              <a:t>4/18/20</a:t>
+              <a:t>4/19/20</a:t>
             </a:fld>
             <a:endParaRPr lang="en-US"/>
           </a:p>
@@ -670,7 +670,7 @@
           <a:p>
             <a:fld id="{1877443A-4F5C-DA41-82D5-DAFF1E776614}" type="datetimeFigureOut">
               <a:rPr lang="en-US" smtClean="0"/>
-              <a:t>4/18/20</a:t>
+              <a:t>4/19/20</a:t>
             </a:fld>
             <a:endParaRPr lang="en-US"/>
           </a:p>
@@ -868,7 +868,7 @@
           <a:p>
             <a:fld id="{1877443A-4F5C-DA41-82D5-DAFF1E776614}" type="datetimeFigureOut">
               <a:rPr lang="en-US" smtClean="0"/>
-              <a:t>4/18/20</a:t>
+              <a:t>4/19/20</a:t>
             </a:fld>
             <a:endParaRPr lang="en-US"/>
           </a:p>
@@ -1143,7 +1143,7 @@
           <a:p>
             <a:fld id="{1877443A-4F5C-DA41-82D5-DAFF1E776614}" type="datetimeFigureOut">
               <a:rPr lang="en-US" smtClean="0"/>
-              <a:t>4/18/20</a:t>
+              <a:t>4/19/20</a:t>
             </a:fld>
             <a:endParaRPr lang="en-US"/>
           </a:p>
@@ -1408,7 +1408,7 @@
           <a:p>
             <a:fld id="{1877443A-4F5C-DA41-82D5-DAFF1E776614}" type="datetimeFigureOut">
               <a:rPr lang="en-US" smtClean="0"/>
-              <a:t>4/18/20</a:t>
+              <a:t>4/19/20</a:t>
             </a:fld>
             <a:endParaRPr lang="en-US"/>
           </a:p>
@@ -1820,7 +1820,7 @@
           <a:p>
             <a:fld id="{1877443A-4F5C-DA41-82D5-DAFF1E776614}" type="datetimeFigureOut">
               <a:rPr lang="en-US" smtClean="0"/>
-              <a:t>4/18/20</a:t>
+              <a:t>4/19/20</a:t>
             </a:fld>
             <a:endParaRPr lang="en-US"/>
           </a:p>
@@ -1961,7 +1961,7 @@
           <a:p>
             <a:fld id="{1877443A-4F5C-DA41-82D5-DAFF1E776614}" type="datetimeFigureOut">
               <a:rPr lang="en-US" smtClean="0"/>
-              <a:t>4/18/20</a:t>
+              <a:t>4/19/20</a:t>
             </a:fld>
             <a:endParaRPr lang="en-US"/>
           </a:p>
@@ -2074,7 +2074,7 @@
           <a:p>
             <a:fld id="{1877443A-4F5C-DA41-82D5-DAFF1E776614}" type="datetimeFigureOut">
               <a:rPr lang="en-US" smtClean="0"/>
-              <a:t>4/18/20</a:t>
+              <a:t>4/19/20</a:t>
             </a:fld>
             <a:endParaRPr lang="en-US"/>
           </a:p>
@@ -2385,7 +2385,7 @@
           <a:p>
             <a:fld id="{1877443A-4F5C-DA41-82D5-DAFF1E776614}" type="datetimeFigureOut">
               <a:rPr lang="en-US" smtClean="0"/>
-              <a:t>4/18/20</a:t>
+              <a:t>4/19/20</a:t>
             </a:fld>
             <a:endParaRPr lang="en-US"/>
           </a:p>
@@ -2673,7 +2673,7 @@
           <a:p>
             <a:fld id="{1877443A-4F5C-DA41-82D5-DAFF1E776614}" type="datetimeFigureOut">
               <a:rPr lang="en-US" smtClean="0"/>
-              <a:t>4/18/20</a:t>
+              <a:t>4/19/20</a:t>
             </a:fld>
             <a:endParaRPr lang="en-US"/>
           </a:p>
@@ -2914,7 +2914,7 @@
           <a:p>
             <a:fld id="{1877443A-4F5C-DA41-82D5-DAFF1E776614}" type="datetimeFigureOut">
               <a:rPr lang="en-US" smtClean="0"/>
-              <a:t>4/18/20</a:t>
+              <a:t>4/19/20</a:t>
             </a:fld>
             <a:endParaRPr lang="en-US"/>
           </a:p>
@@ -12741,10 +12741,10 @@
       </p:sp>
       <p:pic>
         <p:nvPicPr>
-          <p:cNvPr id="3" name="Picture 2" descr="A screenshot of a social media post&#10;&#10;Description automatically generated">
-            <a:extLst>
-              <a:ext uri="{FF2B5EF4-FFF2-40B4-BE49-F238E27FC236}">
-                <a16:creationId xmlns:a16="http://schemas.microsoft.com/office/drawing/2014/main" id="{26790D35-BC70-0B44-A225-2B53B97D8B58}"/>
+          <p:cNvPr id="2" name="Picture 1">
+            <a:extLst>
+              <a:ext uri="{FF2B5EF4-FFF2-40B4-BE49-F238E27FC236}">
+                <a16:creationId xmlns:a16="http://schemas.microsoft.com/office/drawing/2014/main" id="{6CFD3ABD-C5E2-BC45-9A98-C8096BA0AAA4}"/>
               </a:ext>
             </a:extLst>
           </p:cNvPr>
@@ -12761,8 +12761,8 @@
         </p:blipFill>
         <p:spPr>
           <a:xfrm>
-            <a:off x="2225040" y="530794"/>
-            <a:ext cx="8450870" cy="6327206"/>
+            <a:off x="2255519" y="786546"/>
+            <a:ext cx="8824107" cy="6071454"/>
           </a:xfrm>
           <a:prstGeom prst="rect">
             <a:avLst/>
